--- a/cv114.pptx
+++ b/cv114.pptx
@@ -243,7 +243,7 @@
           <a:p>
             <a:fld id="{06519B60-C121-1946-A2A6-F2277F17FD7F}" type="datetimeFigureOut">
               <a:rPr lang="fr-FR" smtClean="0"/>
-              <a:t>07/12/2018</a:t>
+              <a:t>16/01/2019</a:t>
             </a:fld>
             <a:endParaRPr lang="fr-FR"/>
           </a:p>
@@ -408,7 +408,7 @@
           <a:p>
             <a:fld id="{06519B60-C121-1946-A2A6-F2277F17FD7F}" type="datetimeFigureOut">
               <a:rPr lang="fr-FR" smtClean="0"/>
-              <a:t>07/12/2018</a:t>
+              <a:t>16/01/2019</a:t>
             </a:fld>
             <a:endParaRPr lang="fr-FR"/>
           </a:p>
@@ -583,7 +583,7 @@
           <a:p>
             <a:fld id="{06519B60-C121-1946-A2A6-F2277F17FD7F}" type="datetimeFigureOut">
               <a:rPr lang="fr-FR" smtClean="0"/>
-              <a:t>07/12/2018</a:t>
+              <a:t>16/01/2019</a:t>
             </a:fld>
             <a:endParaRPr lang="fr-FR"/>
           </a:p>
@@ -748,7 +748,7 @@
           <a:p>
             <a:fld id="{06519B60-C121-1946-A2A6-F2277F17FD7F}" type="datetimeFigureOut">
               <a:rPr lang="fr-FR" smtClean="0"/>
-              <a:t>07/12/2018</a:t>
+              <a:t>16/01/2019</a:t>
             </a:fld>
             <a:endParaRPr lang="fr-FR"/>
           </a:p>
@@ -987,7 +987,7 @@
           <a:p>
             <a:fld id="{06519B60-C121-1946-A2A6-F2277F17FD7F}" type="datetimeFigureOut">
               <a:rPr lang="fr-FR" smtClean="0"/>
-              <a:t>07/12/2018</a:t>
+              <a:t>16/01/2019</a:t>
             </a:fld>
             <a:endParaRPr lang="fr-FR"/>
           </a:p>
@@ -1214,7 +1214,7 @@
           <a:p>
             <a:fld id="{06519B60-C121-1946-A2A6-F2277F17FD7F}" type="datetimeFigureOut">
               <a:rPr lang="fr-FR" smtClean="0"/>
-              <a:t>07/12/2018</a:t>
+              <a:t>16/01/2019</a:t>
             </a:fld>
             <a:endParaRPr lang="fr-FR"/>
           </a:p>
@@ -1576,7 +1576,7 @@
           <a:p>
             <a:fld id="{06519B60-C121-1946-A2A6-F2277F17FD7F}" type="datetimeFigureOut">
               <a:rPr lang="fr-FR" smtClean="0"/>
-              <a:t>07/12/2018</a:t>
+              <a:t>16/01/2019</a:t>
             </a:fld>
             <a:endParaRPr lang="fr-FR"/>
           </a:p>
@@ -1689,7 +1689,7 @@
           <a:p>
             <a:fld id="{06519B60-C121-1946-A2A6-F2277F17FD7F}" type="datetimeFigureOut">
               <a:rPr lang="fr-FR" smtClean="0"/>
-              <a:t>07/12/2018</a:t>
+              <a:t>16/01/2019</a:t>
             </a:fld>
             <a:endParaRPr lang="fr-FR"/>
           </a:p>
@@ -1779,7 +1779,7 @@
           <a:p>
             <a:fld id="{06519B60-C121-1946-A2A6-F2277F17FD7F}" type="datetimeFigureOut">
               <a:rPr lang="fr-FR" smtClean="0"/>
-              <a:t>07/12/2018</a:t>
+              <a:t>16/01/2019</a:t>
             </a:fld>
             <a:endParaRPr lang="fr-FR"/>
           </a:p>
@@ -2051,7 +2051,7 @@
           <a:p>
             <a:fld id="{06519B60-C121-1946-A2A6-F2277F17FD7F}" type="datetimeFigureOut">
               <a:rPr lang="fr-FR" smtClean="0"/>
-              <a:t>07/12/2018</a:t>
+              <a:t>16/01/2019</a:t>
             </a:fld>
             <a:endParaRPr lang="fr-FR"/>
           </a:p>
@@ -2303,7 +2303,7 @@
           <a:p>
             <a:fld id="{06519B60-C121-1946-A2A6-F2277F17FD7F}" type="datetimeFigureOut">
               <a:rPr lang="fr-FR" smtClean="0"/>
-              <a:t>07/12/2018</a:t>
+              <a:t>16/01/2019</a:t>
             </a:fld>
             <a:endParaRPr lang="fr-FR"/>
           </a:p>
@@ -2511,7 +2511,7 @@
           <a:p>
             <a:fld id="{06519B60-C121-1946-A2A6-F2277F17FD7F}" type="datetimeFigureOut">
               <a:rPr lang="fr-FR" smtClean="0"/>
-              <a:t>07/12/2018</a:t>
+              <a:t>16/01/2019</a:t>
             </a:fld>
             <a:endParaRPr lang="fr-FR"/>
           </a:p>
@@ -2925,7 +2925,7 @@
         <p:spPr>
           <a:xfrm>
             <a:off x="464630" y="607414"/>
-            <a:ext cx="1869779" cy="1954381"/>
+            <a:ext cx="1869779" cy="1785104"/>
           </a:xfrm>
           <a:prstGeom prst="rect">
             <a:avLst/>
@@ -2943,7 +2943,7 @@
             </a:pPr>
             <a:r>
               <a:rPr lang="fr-FR" sz="1100" dirty="0"/>
-              <a:t>Après plusieurs années à travailler dans différents domaines, j'ai décidé de me reconvertir dans le développement web. Je suis actuellement en formation de développeur web à l’ACCESS CODE SCHOOL durant laquelle j'ai réalisé différents projets, en HTML, CSS, JavaScript et PHP.</a:t>
+              <a:t>Après plusieurs années à travailler dans différents domaines, j'ai décidé de me reconvertir dans le développement web. Je suis actuellement en formation de développeur web à l’ACCESS CODE SCHOOL j'ai réalisé différents projets, en HTML, CSS, JavaScript et PHP.</a:t>
             </a:r>
             <a:endParaRPr lang="fr-FR" sz="1100" dirty="0">
               <a:ea typeface="Arial" charset="0"/>
@@ -2961,7 +2961,7 @@
         <p:spPr>
           <a:xfrm>
             <a:off x="464630" y="217997"/>
-            <a:ext cx="1064459" cy="338554"/>
+            <a:ext cx="1038682" cy="338554"/>
           </a:xfrm>
           <a:prstGeom prst="rect">
             <a:avLst/>
@@ -2975,7 +2975,7 @@
           <a:p>
             <a:r>
               <a:rPr lang="fr-FR" sz="1600" dirty="0"/>
-              <a:t>A PROPOS</a:t>
+              <a:t>À PROPOS</a:t>
             </a:r>
           </a:p>
         </p:txBody>
@@ -3345,7 +3345,7 @@
           <a:p>
             <a:r>
               <a:rPr lang="fr-FR" sz="1100" b="1" dirty="0"/>
-              <a:t>TELEPHONE</a:t>
+              <a:t>TÉLÉPHONE</a:t>
             </a:r>
           </a:p>
         </p:txBody>
@@ -3432,7 +3432,7 @@
           <a:p>
             <a:r>
               <a:rPr lang="fr-FR" sz="1100" b="1" dirty="0"/>
-              <a:t>RESEAUX</a:t>
+              <a:t>RÉSEAUX</a:t>
             </a:r>
           </a:p>
         </p:txBody>
@@ -3834,7 +3834,7 @@
                 <a:ea typeface="Times New Roman" charset="0"/>
                 <a:cs typeface="Times New Roman" charset="0"/>
               </a:rPr>
-              <a:t> 2017| AGENT DE PRODUCTION| ADAPEI</a:t>
+              <a:t> 2017 | AGENT DE PRODUCTION | ADAPEI</a:t>
             </a:r>
           </a:p>
           <a:p>
@@ -4987,7 +4987,7 @@
           <a:p>
             <a:pPr algn="r"/>
             <a:r>
-              <a:rPr lang="en-GB" sz="1100" dirty="0" err="1">
+              <a:rPr lang="en-GB" sz="1100" dirty="0">
                 <a:solidFill>
                   <a:schemeClr val="bg1">
                     <a:lumMod val="50000"/>
@@ -4996,17 +4996,8 @@
                 <a:ea typeface="Roboto" pitchFamily="2" charset="0"/>
                 <a:cs typeface="Lato" panose="020F0502020204030203" pitchFamily="34" charset="0"/>
               </a:rPr>
-              <a:t>Cinéma</a:t>
-            </a:r>
-            <a:endParaRPr lang="en-GB" sz="1100" dirty="0">
-              <a:solidFill>
-                <a:schemeClr val="bg1">
-                  <a:lumMod val="50000"/>
-                </a:schemeClr>
-              </a:solidFill>
-              <a:ea typeface="Roboto" pitchFamily="2" charset="0"/>
-              <a:cs typeface="Lato" panose="020F0502020204030203" pitchFamily="34" charset="0"/>
-            </a:endParaRPr>
+              <a:t>Football</a:t>
+            </a:r>
           </a:p>
         </p:txBody>
       </p:sp>
